--- a/rpg수정수정.pptx
+++ b/rpg수정수정.pptx
@@ -5328,39 +5328,6 @@
       </p:cxnSp>
       <p:cxnSp>
         <p:nvCxnSpPr>
-          <p:cNvPr id="63" name="직선 연결선 62"/>
-          <p:cNvCxnSpPr>
-            <a:stCxn id="59" idx="3"/>
-            <a:endCxn id="7" idx="1"/>
-          </p:cNvCxnSpPr>
-          <p:nvPr/>
-        </p:nvCxnSpPr>
-        <p:spPr>
-          <a:xfrm flipV="1">
-            <a:off x="2807558" y="1929305"/>
-            <a:ext cx="1345625" cy="3311884"/>
-          </a:xfrm>
-          <a:prstGeom prst="line">
-            <a:avLst/>
-          </a:prstGeom>
-        </p:spPr>
-        <p:style>
-          <a:lnRef idx="1">
-            <a:schemeClr val="accent1"/>
-          </a:lnRef>
-          <a:fillRef idx="0">
-            <a:schemeClr val="accent1"/>
-          </a:fillRef>
-          <a:effectRef idx="0">
-            <a:schemeClr val="accent1"/>
-          </a:effectRef>
-          <a:fontRef idx="minor">
-            <a:schemeClr val="tx1"/>
-          </a:fontRef>
-        </p:style>
-      </p:cxnSp>
-      <p:cxnSp>
-        <p:nvCxnSpPr>
           <p:cNvPr id="65" name="직선 연결선 64"/>
           <p:cNvCxnSpPr>
             <a:stCxn id="14" idx="1"/>
@@ -7843,6 +7810,193 @@
           <a:xfrm>
             <a:off x="5272856" y="1929305"/>
             <a:ext cx="4299012" cy="4086054"/>
+          </a:xfrm>
+          <a:prstGeom prst="line">
+            <a:avLst/>
+          </a:prstGeom>
+        </p:spPr>
+        <p:style>
+          <a:lnRef idx="1">
+            <a:schemeClr val="accent1"/>
+          </a:lnRef>
+          <a:fillRef idx="0">
+            <a:schemeClr val="accent1"/>
+          </a:fillRef>
+          <a:effectRef idx="0">
+            <a:schemeClr val="accent1"/>
+          </a:effectRef>
+          <a:fontRef idx="minor">
+            <a:schemeClr val="tx1"/>
+          </a:fontRef>
+        </p:style>
+      </p:cxnSp>
+      <p:sp>
+        <p:nvSpPr>
+          <p:cNvPr id="206" name="제목 1"/>
+          <p:cNvSpPr>
+            <a:spLocks noGrp="1"/>
+          </p:cNvSpPr>
+          <p:nvPr/>
+        </p:nvSpPr>
+        <p:spPr>
+          <a:xfrm>
+            <a:off x="9849679" y="4091031"/>
+            <a:ext cx="1934132" cy="1229277"/>
+          </a:xfrm>
+          <a:prstGeom prst="rect">
+            <a:avLst/>
+          </a:prstGeom>
+          <a:ln>
+            <a:solidFill>
+              <a:srgbClr val="000000">
+                <a:alpha val="100000"/>
+              </a:srgbClr>
+            </a:solidFill>
+          </a:ln>
+        </p:spPr>
+        <p:txBody>
+          <a:bodyPr vert="horz" lIns="91440" tIns="45720" rIns="91440" bIns="45720" anchor="ctr">
+            <a:normAutofit/>
+          </a:bodyPr>
+          <a:p>
+            <a:pPr marL="0" lvl="0" indent="0" algn="ctr" defTabSz="914400" rtl="0" eaLnBrk="1" latinLnBrk="1" hangingPunct="1">
+              <a:lnSpc>
+                <a:spcPct val="100000"/>
+              </a:lnSpc>
+              <a:spcBef>
+                <a:spcPct val="0"/>
+              </a:spcBef>
+              <a:spcAft>
+                <a:spcPts val="0"/>
+              </a:spcAft>
+              <a:buNone/>
+              <a:defRPr/>
+            </a:pPr>
+            <a:r>
+              <a:rPr xmlns:mc="http://schemas.openxmlformats.org/markup-compatibility/2006" xmlns:hp="http://schemas.haansoft.com/office/presentation/8.0" kumimoji="0" lang="ko-KR" altLang="en-US" sz="1500" b="0" i="0" u="none" strike="noStrike" kern="1200" cap="none" spc="0" normalizeH="0" baseline="0" mc:Ignorable="hp" hp:hslEmbossed="0">
+                <a:solidFill>
+                  <a:srgbClr val="000000"/>
+                </a:solidFill>
+                <a:latin typeface="Calibri"/>
+                <a:ea typeface="맑은 고딕"/>
+                <a:cs typeface="Calibri"/>
+              </a:rPr>
+              <a:t>인터페이스</a:t>
+            </a:r>
+            <a:endParaRPr xmlns:mc="http://schemas.openxmlformats.org/markup-compatibility/2006" xmlns:hp="http://schemas.haansoft.com/office/presentation/8.0" kumimoji="0" lang="ko-KR" altLang="en-US" sz="1500" b="0" i="0" u="none" strike="noStrike" kern="1200" cap="none" spc="0" normalizeH="0" baseline="0" mc:Ignorable="hp" hp:hslEmbossed="0">
+              <a:solidFill>
+                <a:srgbClr val="000000"/>
+              </a:solidFill>
+              <a:latin typeface="Calibri"/>
+              <a:ea typeface="맑은 고딕"/>
+              <a:cs typeface="Calibri"/>
+            </a:endParaRPr>
+          </a:p>
+          <a:p>
+            <a:pPr marL="0" lvl="0" indent="0" algn="ctr" defTabSz="914400" rtl="0" eaLnBrk="1" latinLnBrk="1" hangingPunct="1">
+              <a:lnSpc>
+                <a:spcPct val="100000"/>
+              </a:lnSpc>
+              <a:spcBef>
+                <a:spcPct val="0"/>
+              </a:spcBef>
+              <a:spcAft>
+                <a:spcPts val="0"/>
+              </a:spcAft>
+              <a:buNone/>
+              <a:defRPr/>
+            </a:pPr>
+            <a:r>
+              <a:rPr xmlns:mc="http://schemas.openxmlformats.org/markup-compatibility/2006" xmlns:hp="http://schemas.haansoft.com/office/presentation/8.0" kumimoji="0" lang="ko-KR" altLang="en-US" sz="1500" b="0" i="0" u="none" strike="noStrike" kern="1200" cap="none" spc="0" normalizeH="0" baseline="0" mc:Ignorable="hp" hp:hslEmbossed="0">
+                <a:solidFill>
+                  <a:srgbClr val="000000"/>
+                </a:solidFill>
+                <a:latin typeface="Calibri"/>
+                <a:ea typeface="맑은 고딕"/>
+                <a:cs typeface="Calibri"/>
+              </a:rPr>
+              <a:t>몬스터공격</a:t>
+            </a:r>
+            <a:endParaRPr xmlns:mc="http://schemas.openxmlformats.org/markup-compatibility/2006" xmlns:hp="http://schemas.haansoft.com/office/presentation/8.0" kumimoji="0" lang="ko-KR" altLang="en-US" sz="1500" b="0" i="0" u="none" strike="noStrike" kern="1200" cap="none" spc="0" normalizeH="0" baseline="0" mc:Ignorable="hp" hp:hslEmbossed="0">
+              <a:solidFill>
+                <a:srgbClr val="000000"/>
+              </a:solidFill>
+              <a:latin typeface="Calibri"/>
+              <a:ea typeface="맑은 고딕"/>
+              <a:cs typeface="Calibri"/>
+            </a:endParaRPr>
+          </a:p>
+          <a:p>
+            <a:pPr marL="0" lvl="0" indent="0" algn="ctr" defTabSz="914400" rtl="0" eaLnBrk="1" latinLnBrk="1" hangingPunct="1">
+              <a:lnSpc>
+                <a:spcPct val="100000"/>
+              </a:lnSpc>
+              <a:spcBef>
+                <a:spcPct val="0"/>
+              </a:spcBef>
+              <a:spcAft>
+                <a:spcPts val="0"/>
+              </a:spcAft>
+              <a:buNone/>
+              <a:defRPr/>
+            </a:pPr>
+            <a:r>
+              <a:rPr xmlns:mc="http://schemas.openxmlformats.org/markup-compatibility/2006" xmlns:hp="http://schemas.haansoft.com/office/presentation/8.0" kumimoji="0" lang="ko-KR" altLang="en-US" sz="1500" b="0" i="0" u="none" strike="noStrike" kern="1200" cap="none" spc="0" normalizeH="0" baseline="0" mc:Ignorable="hp" hp:hslEmbossed="0">
+                <a:solidFill>
+                  <a:srgbClr val="000000"/>
+                </a:solidFill>
+                <a:latin typeface="Calibri"/>
+                <a:ea typeface="맑은 고딕"/>
+                <a:cs typeface="Calibri"/>
+              </a:rPr>
+              <a:t>메서드 </a:t>
+            </a:r>
+            <a:r>
+              <a:rPr xmlns:mc="http://schemas.openxmlformats.org/markup-compatibility/2006" xmlns:hp="http://schemas.haansoft.com/office/presentation/8.0" kumimoji="0" lang="en-US" altLang="ko-KR" sz="1500" b="0" i="0" u="none" strike="noStrike" kern="1200" cap="none" spc="0" normalizeH="0" baseline="0" mc:Ignorable="hp" hp:hslEmbossed="0">
+                <a:solidFill>
+                  <a:srgbClr val="000000"/>
+                </a:solidFill>
+                <a:latin typeface="Calibri"/>
+                <a:ea typeface="맑은 고딕"/>
+                <a:cs typeface="Calibri"/>
+              </a:rPr>
+              <a:t>: </a:t>
+            </a:r>
+            <a:r>
+              <a:rPr xmlns:mc="http://schemas.openxmlformats.org/markup-compatibility/2006" xmlns:hp="http://schemas.haansoft.com/office/presentation/8.0" kumimoji="0" lang="ko-KR" altLang="en-US" sz="1500" b="0" i="0" u="none" strike="noStrike" kern="1200" cap="none" spc="0" normalizeH="0" baseline="0" mc:Ignorable="hp" hp:hslEmbossed="0">
+                <a:solidFill>
+                  <a:srgbClr val="000000"/>
+                </a:solidFill>
+                <a:latin typeface="Calibri"/>
+                <a:ea typeface="맑은 고딕"/>
+                <a:cs typeface="Calibri"/>
+              </a:rPr>
+              <a:t>기본공격</a:t>
+            </a:r>
+            <a:endParaRPr xmlns:mc="http://schemas.openxmlformats.org/markup-compatibility/2006" xmlns:hp="http://schemas.haansoft.com/office/presentation/8.0" kumimoji="0" lang="en-US" altLang="ko-KR" sz="1500" b="0" i="0" u="none" strike="noStrike" kern="1200" cap="none" spc="0" normalizeH="0" baseline="0" mc:Ignorable="hp" hp:hslEmbossed="0">
+              <a:solidFill>
+                <a:srgbClr val="000000"/>
+              </a:solidFill>
+              <a:latin typeface="Calibri"/>
+              <a:ea typeface="맑은 고딕"/>
+              <a:cs typeface="Calibri"/>
+            </a:endParaRPr>
+          </a:p>
+        </p:txBody>
+      </p:sp>
+      <p:cxnSp>
+        <p:nvCxnSpPr>
+          <p:cNvPr id="207" name="선 206"/>
+          <p:cNvCxnSpPr>
+            <a:stCxn id="7" idx="3"/>
+            <a:endCxn id="206" idx="1"/>
+          </p:cNvCxnSpPr>
+          <p:nvPr/>
+        </p:nvCxnSpPr>
+        <p:spPr>
+          <a:xfrm>
+            <a:off x="5272857" y="1929305"/>
+            <a:ext cx="4576822" cy="2776365"/>
           </a:xfrm>
           <a:prstGeom prst="line">
             <a:avLst/>
